--- a/ProbabilisticGraphicalModels/AnswerStructure.pptx
+++ b/ProbabilisticGraphicalModels/AnswerStructure.pptx
@@ -260,7 +260,7 @@
           <a:p>
             <a:fld id="{9BFD3863-3DC9-438E-B8B8-BB31ED5E241B}" type="datetimeFigureOut">
               <a:rPr lang="en-US" smtClean="0"/>
-              <a:t>8/1/2018</a:t>
+              <a:t>8/8/2018</a:t>
             </a:fld>
             <a:endParaRPr lang="en-US"/>
           </a:p>
@@ -458,7 +458,7 @@
           <a:p>
             <a:fld id="{9BFD3863-3DC9-438E-B8B8-BB31ED5E241B}" type="datetimeFigureOut">
               <a:rPr lang="en-US" smtClean="0"/>
-              <a:t>8/1/2018</a:t>
+              <a:t>8/8/2018</a:t>
             </a:fld>
             <a:endParaRPr lang="en-US"/>
           </a:p>
@@ -666,7 +666,7 @@
           <a:p>
             <a:fld id="{9BFD3863-3DC9-438E-B8B8-BB31ED5E241B}" type="datetimeFigureOut">
               <a:rPr lang="en-US" smtClean="0"/>
-              <a:t>8/1/2018</a:t>
+              <a:t>8/8/2018</a:t>
             </a:fld>
             <a:endParaRPr lang="en-US"/>
           </a:p>
@@ -864,7 +864,7 @@
           <a:p>
             <a:fld id="{9BFD3863-3DC9-438E-B8B8-BB31ED5E241B}" type="datetimeFigureOut">
               <a:rPr lang="en-US" smtClean="0"/>
-              <a:t>8/1/2018</a:t>
+              <a:t>8/8/2018</a:t>
             </a:fld>
             <a:endParaRPr lang="en-US"/>
           </a:p>
@@ -1139,7 +1139,7 @@
           <a:p>
             <a:fld id="{9BFD3863-3DC9-438E-B8B8-BB31ED5E241B}" type="datetimeFigureOut">
               <a:rPr lang="en-US" smtClean="0"/>
-              <a:t>8/1/2018</a:t>
+              <a:t>8/8/2018</a:t>
             </a:fld>
             <a:endParaRPr lang="en-US"/>
           </a:p>
@@ -1404,7 +1404,7 @@
           <a:p>
             <a:fld id="{9BFD3863-3DC9-438E-B8B8-BB31ED5E241B}" type="datetimeFigureOut">
               <a:rPr lang="en-US" smtClean="0"/>
-              <a:t>8/1/2018</a:t>
+              <a:t>8/8/2018</a:t>
             </a:fld>
             <a:endParaRPr lang="en-US"/>
           </a:p>
@@ -1816,7 +1816,7 @@
           <a:p>
             <a:fld id="{9BFD3863-3DC9-438E-B8B8-BB31ED5E241B}" type="datetimeFigureOut">
               <a:rPr lang="en-US" smtClean="0"/>
-              <a:t>8/1/2018</a:t>
+              <a:t>8/8/2018</a:t>
             </a:fld>
             <a:endParaRPr lang="en-US"/>
           </a:p>
@@ -1957,7 +1957,7 @@
           <a:p>
             <a:fld id="{9BFD3863-3DC9-438E-B8B8-BB31ED5E241B}" type="datetimeFigureOut">
               <a:rPr lang="en-US" smtClean="0"/>
-              <a:t>8/1/2018</a:t>
+              <a:t>8/8/2018</a:t>
             </a:fld>
             <a:endParaRPr lang="en-US"/>
           </a:p>
@@ -2070,7 +2070,7 @@
           <a:p>
             <a:fld id="{9BFD3863-3DC9-438E-B8B8-BB31ED5E241B}" type="datetimeFigureOut">
               <a:rPr lang="en-US" smtClean="0"/>
-              <a:t>8/1/2018</a:t>
+              <a:t>8/8/2018</a:t>
             </a:fld>
             <a:endParaRPr lang="en-US"/>
           </a:p>
@@ -2381,7 +2381,7 @@
           <a:p>
             <a:fld id="{9BFD3863-3DC9-438E-B8B8-BB31ED5E241B}" type="datetimeFigureOut">
               <a:rPr lang="en-US" smtClean="0"/>
-              <a:t>8/1/2018</a:t>
+              <a:t>8/8/2018</a:t>
             </a:fld>
             <a:endParaRPr lang="en-US"/>
           </a:p>
@@ -2669,7 +2669,7 @@
           <a:p>
             <a:fld id="{9BFD3863-3DC9-438E-B8B8-BB31ED5E241B}" type="datetimeFigureOut">
               <a:rPr lang="en-US" smtClean="0"/>
-              <a:t>8/1/2018</a:t>
+              <a:t>8/8/2018</a:t>
             </a:fld>
             <a:endParaRPr lang="en-US"/>
           </a:p>
@@ -2910,7 +2910,7 @@
           <a:p>
             <a:fld id="{9BFD3863-3DC9-438E-B8B8-BB31ED5E241B}" type="datetimeFigureOut">
               <a:rPr lang="en-US" smtClean="0"/>
-              <a:t>8/1/2018</a:t>
+              <a:t>8/8/2018</a:t>
             </a:fld>
             <a:endParaRPr lang="en-US"/>
           </a:p>
@@ -5170,42 +5170,6 @@
           </a:p>
         </p:txBody>
       </p:sp>
-      <p:pic>
-        <p:nvPicPr>
-          <p:cNvPr id="4" name="Picture 3">
-            <a:extLst>
-              <a:ext uri="{FF2B5EF4-FFF2-40B4-BE49-F238E27FC236}">
-                <a16:creationId xmlns:a16="http://schemas.microsoft.com/office/drawing/2014/main" id="{BE976783-9309-4312-A05C-DA335D591E30}"/>
-              </a:ext>
-            </a:extLst>
-          </p:cNvPr>
-          <p:cNvPicPr>
-            <a:picLocks noChangeAspect="1"/>
-          </p:cNvPicPr>
-          <p:nvPr/>
-        </p:nvPicPr>
-        <p:blipFill>
-          <a:blip r:embed="rId2">
-            <a:extLst>
-              <a:ext uri="{28A0092B-C50C-407E-A947-70E740481C1C}">
-                <a14:useLocalDpi xmlns:a14="http://schemas.microsoft.com/office/drawing/2010/main" val="0"/>
-              </a:ext>
-            </a:extLst>
-          </a:blip>
-          <a:stretch>
-            <a:fillRect/>
-          </a:stretch>
-        </p:blipFill>
-        <p:spPr>
-          <a:xfrm>
-            <a:off x="3017021" y="2631275"/>
-            <a:ext cx="6157958" cy="1595449"/>
-          </a:xfrm>
-          <a:prstGeom prst="rect">
-            <a:avLst/>
-          </a:prstGeom>
-        </p:spPr>
-      </p:pic>
       <p:sp>
         <p:nvSpPr>
           <p:cNvPr id="5" name="Left Brace 4">
@@ -5378,6 +5342,36 @@
           </a:p>
         </p:txBody>
       </p:sp>
+      <p:pic>
+        <p:nvPicPr>
+          <p:cNvPr id="9" name="Picture 8">
+            <a:extLst>
+              <a:ext uri="{FF2B5EF4-FFF2-40B4-BE49-F238E27FC236}">
+                <a16:creationId xmlns:a16="http://schemas.microsoft.com/office/drawing/2014/main" id="{726764E4-0BB3-4230-95D0-696FB083124F}"/>
+              </a:ext>
+            </a:extLst>
+          </p:cNvPr>
+          <p:cNvPicPr>
+            <a:picLocks noChangeAspect="1"/>
+          </p:cNvPicPr>
+          <p:nvPr/>
+        </p:nvPicPr>
+        <p:blipFill>
+          <a:blip r:embed="rId2"/>
+          <a:stretch>
+            <a:fillRect/>
+          </a:stretch>
+        </p:blipFill>
+        <p:spPr>
+          <a:xfrm>
+            <a:off x="3236098" y="2666994"/>
+            <a:ext cx="5719804" cy="1524011"/>
+          </a:xfrm>
+          <a:prstGeom prst="rect">
+            <a:avLst/>
+          </a:prstGeom>
+        </p:spPr>
+      </p:pic>
     </p:spTree>
     <p:extLst>
       <p:ext uri="{BB962C8B-B14F-4D97-AF65-F5344CB8AC3E}">

--- a/ProbabilisticGraphicalModels/AnswerStructure.pptx
+++ b/ProbabilisticGraphicalModels/AnswerStructure.pptx
@@ -260,7 +260,7 @@
           <a:p>
             <a:fld id="{9BFD3863-3DC9-438E-B8B8-BB31ED5E241B}" type="datetimeFigureOut">
               <a:rPr lang="en-US" smtClean="0"/>
-              <a:t>8/8/2018</a:t>
+              <a:t>8/23/2018</a:t>
             </a:fld>
             <a:endParaRPr lang="en-US"/>
           </a:p>
@@ -458,7 +458,7 @@
           <a:p>
             <a:fld id="{9BFD3863-3DC9-438E-B8B8-BB31ED5E241B}" type="datetimeFigureOut">
               <a:rPr lang="en-US" smtClean="0"/>
-              <a:t>8/8/2018</a:t>
+              <a:t>8/23/2018</a:t>
             </a:fld>
             <a:endParaRPr lang="en-US"/>
           </a:p>
@@ -666,7 +666,7 @@
           <a:p>
             <a:fld id="{9BFD3863-3DC9-438E-B8B8-BB31ED5E241B}" type="datetimeFigureOut">
               <a:rPr lang="en-US" smtClean="0"/>
-              <a:t>8/8/2018</a:t>
+              <a:t>8/23/2018</a:t>
             </a:fld>
             <a:endParaRPr lang="en-US"/>
           </a:p>
@@ -864,7 +864,7 @@
           <a:p>
             <a:fld id="{9BFD3863-3DC9-438E-B8B8-BB31ED5E241B}" type="datetimeFigureOut">
               <a:rPr lang="en-US" smtClean="0"/>
-              <a:t>8/8/2018</a:t>
+              <a:t>8/23/2018</a:t>
             </a:fld>
             <a:endParaRPr lang="en-US"/>
           </a:p>
@@ -1139,7 +1139,7 @@
           <a:p>
             <a:fld id="{9BFD3863-3DC9-438E-B8B8-BB31ED5E241B}" type="datetimeFigureOut">
               <a:rPr lang="en-US" smtClean="0"/>
-              <a:t>8/8/2018</a:t>
+              <a:t>8/23/2018</a:t>
             </a:fld>
             <a:endParaRPr lang="en-US"/>
           </a:p>
@@ -1404,7 +1404,7 @@
           <a:p>
             <a:fld id="{9BFD3863-3DC9-438E-B8B8-BB31ED5E241B}" type="datetimeFigureOut">
               <a:rPr lang="en-US" smtClean="0"/>
-              <a:t>8/8/2018</a:t>
+              <a:t>8/23/2018</a:t>
             </a:fld>
             <a:endParaRPr lang="en-US"/>
           </a:p>
@@ -1816,7 +1816,7 @@
           <a:p>
             <a:fld id="{9BFD3863-3DC9-438E-B8B8-BB31ED5E241B}" type="datetimeFigureOut">
               <a:rPr lang="en-US" smtClean="0"/>
-              <a:t>8/8/2018</a:t>
+              <a:t>8/23/2018</a:t>
             </a:fld>
             <a:endParaRPr lang="en-US"/>
           </a:p>
@@ -1957,7 +1957,7 @@
           <a:p>
             <a:fld id="{9BFD3863-3DC9-438E-B8B8-BB31ED5E241B}" type="datetimeFigureOut">
               <a:rPr lang="en-US" smtClean="0"/>
-              <a:t>8/8/2018</a:t>
+              <a:t>8/23/2018</a:t>
             </a:fld>
             <a:endParaRPr lang="en-US"/>
           </a:p>
@@ -2070,7 +2070,7 @@
           <a:p>
             <a:fld id="{9BFD3863-3DC9-438E-B8B8-BB31ED5E241B}" type="datetimeFigureOut">
               <a:rPr lang="en-US" smtClean="0"/>
-              <a:t>8/8/2018</a:t>
+              <a:t>8/23/2018</a:t>
             </a:fld>
             <a:endParaRPr lang="en-US"/>
           </a:p>
@@ -2381,7 +2381,7 @@
           <a:p>
             <a:fld id="{9BFD3863-3DC9-438E-B8B8-BB31ED5E241B}" type="datetimeFigureOut">
               <a:rPr lang="en-US" smtClean="0"/>
-              <a:t>8/8/2018</a:t>
+              <a:t>8/23/2018</a:t>
             </a:fld>
             <a:endParaRPr lang="en-US"/>
           </a:p>
@@ -2669,7 +2669,7 @@
           <a:p>
             <a:fld id="{9BFD3863-3DC9-438E-B8B8-BB31ED5E241B}" type="datetimeFigureOut">
               <a:rPr lang="en-US" smtClean="0"/>
-              <a:t>8/8/2018</a:t>
+              <a:t>8/23/2018</a:t>
             </a:fld>
             <a:endParaRPr lang="en-US"/>
           </a:p>
@@ -2910,7 +2910,7 @@
           <a:p>
             <a:fld id="{9BFD3863-3DC9-438E-B8B8-BB31ED5E241B}" type="datetimeFigureOut">
               <a:rPr lang="en-US" smtClean="0"/>
-              <a:t>8/8/2018</a:t>
+              <a:t>8/23/2018</a:t>
             </a:fld>
             <a:endParaRPr lang="en-US"/>
           </a:p>
@@ -3685,7 +3685,7 @@
                 <a:latin typeface="Times New Roman" panose="02020603050405020304" pitchFamily="18" charset="0"/>
                 <a:cs typeface="Times New Roman" panose="02020603050405020304" pitchFamily="18" charset="0"/>
               </a:rPr>
-              <a:t>What are Probabilistic Graphical Models and why do we use them?</a:t>
+              <a:t>What are Probabilistic Graphical Models and why are they useful?</a:t>
             </a:r>
           </a:p>
         </p:txBody>

--- a/ProbabilisticGraphicalModels/AnswerStructure.pptx
+++ b/ProbabilisticGraphicalModels/AnswerStructure.pptx
@@ -260,7 +260,7 @@
           <a:p>
             <a:fld id="{9BFD3863-3DC9-438E-B8B8-BB31ED5E241B}" type="datetimeFigureOut">
               <a:rPr lang="en-US" smtClean="0"/>
-              <a:t>8/23/2018</a:t>
+              <a:t>8/29/2018</a:t>
             </a:fld>
             <a:endParaRPr lang="en-US"/>
           </a:p>
@@ -458,7 +458,7 @@
           <a:p>
             <a:fld id="{9BFD3863-3DC9-438E-B8B8-BB31ED5E241B}" type="datetimeFigureOut">
               <a:rPr lang="en-US" smtClean="0"/>
-              <a:t>8/23/2018</a:t>
+              <a:t>8/29/2018</a:t>
             </a:fld>
             <a:endParaRPr lang="en-US"/>
           </a:p>
@@ -666,7 +666,7 @@
           <a:p>
             <a:fld id="{9BFD3863-3DC9-438E-B8B8-BB31ED5E241B}" type="datetimeFigureOut">
               <a:rPr lang="en-US" smtClean="0"/>
-              <a:t>8/23/2018</a:t>
+              <a:t>8/29/2018</a:t>
             </a:fld>
             <a:endParaRPr lang="en-US"/>
           </a:p>
@@ -864,7 +864,7 @@
           <a:p>
             <a:fld id="{9BFD3863-3DC9-438E-B8B8-BB31ED5E241B}" type="datetimeFigureOut">
               <a:rPr lang="en-US" smtClean="0"/>
-              <a:t>8/23/2018</a:t>
+              <a:t>8/29/2018</a:t>
             </a:fld>
             <a:endParaRPr lang="en-US"/>
           </a:p>
@@ -1139,7 +1139,7 @@
           <a:p>
             <a:fld id="{9BFD3863-3DC9-438E-B8B8-BB31ED5E241B}" type="datetimeFigureOut">
               <a:rPr lang="en-US" smtClean="0"/>
-              <a:t>8/23/2018</a:t>
+              <a:t>8/29/2018</a:t>
             </a:fld>
             <a:endParaRPr lang="en-US"/>
           </a:p>
@@ -1404,7 +1404,7 @@
           <a:p>
             <a:fld id="{9BFD3863-3DC9-438E-B8B8-BB31ED5E241B}" type="datetimeFigureOut">
               <a:rPr lang="en-US" smtClean="0"/>
-              <a:t>8/23/2018</a:t>
+              <a:t>8/29/2018</a:t>
             </a:fld>
             <a:endParaRPr lang="en-US"/>
           </a:p>
@@ -1816,7 +1816,7 @@
           <a:p>
             <a:fld id="{9BFD3863-3DC9-438E-B8B8-BB31ED5E241B}" type="datetimeFigureOut">
               <a:rPr lang="en-US" smtClean="0"/>
-              <a:t>8/23/2018</a:t>
+              <a:t>8/29/2018</a:t>
             </a:fld>
             <a:endParaRPr lang="en-US"/>
           </a:p>
@@ -1957,7 +1957,7 @@
           <a:p>
             <a:fld id="{9BFD3863-3DC9-438E-B8B8-BB31ED5E241B}" type="datetimeFigureOut">
               <a:rPr lang="en-US" smtClean="0"/>
-              <a:t>8/23/2018</a:t>
+              <a:t>8/29/2018</a:t>
             </a:fld>
             <a:endParaRPr lang="en-US"/>
           </a:p>
@@ -2070,7 +2070,7 @@
           <a:p>
             <a:fld id="{9BFD3863-3DC9-438E-B8B8-BB31ED5E241B}" type="datetimeFigureOut">
               <a:rPr lang="en-US" smtClean="0"/>
-              <a:t>8/23/2018</a:t>
+              <a:t>8/29/2018</a:t>
             </a:fld>
             <a:endParaRPr lang="en-US"/>
           </a:p>
@@ -2381,7 +2381,7 @@
           <a:p>
             <a:fld id="{9BFD3863-3DC9-438E-B8B8-BB31ED5E241B}" type="datetimeFigureOut">
               <a:rPr lang="en-US" smtClean="0"/>
-              <a:t>8/23/2018</a:t>
+              <a:t>8/29/2018</a:t>
             </a:fld>
             <a:endParaRPr lang="en-US"/>
           </a:p>
@@ -2669,7 +2669,7 @@
           <a:p>
             <a:fld id="{9BFD3863-3DC9-438E-B8B8-BB31ED5E241B}" type="datetimeFigureOut">
               <a:rPr lang="en-US" smtClean="0"/>
-              <a:t>8/23/2018</a:t>
+              <a:t>8/29/2018</a:t>
             </a:fld>
             <a:endParaRPr lang="en-US"/>
           </a:p>
@@ -2910,7 +2910,7 @@
           <a:p>
             <a:fld id="{9BFD3863-3DC9-438E-B8B8-BB31ED5E241B}" type="datetimeFigureOut">
               <a:rPr lang="en-US" smtClean="0"/>
-              <a:t>8/23/2018</a:t>
+              <a:t>8/29/2018</a:t>
             </a:fld>
             <a:endParaRPr lang="en-US"/>
           </a:p>
@@ -4018,7 +4018,7 @@
                 <a:latin typeface="Times New Roman" panose="02020603050405020304" pitchFamily="18" charset="0"/>
                 <a:cs typeface="Times New Roman" panose="02020603050405020304" pitchFamily="18" charset="0"/>
               </a:rPr>
-              <a:t>How are the parameters of a Markov Network learned?</a:t>
+              <a:t>How are the parameters of a Bayesian Network learned?</a:t>
             </a:r>
           </a:p>
         </p:txBody>
@@ -4110,7 +4110,7 @@
                 <a:latin typeface="Times New Roman" panose="02020603050405020304" pitchFamily="18" charset="0"/>
                 <a:cs typeface="Times New Roman" panose="02020603050405020304" pitchFamily="18" charset="0"/>
               </a:rPr>
-              <a:t>How are the parameters of a Bayesian Network learned?</a:t>
+              <a:t>How are the parameters of a Markov Network learned?</a:t>
             </a:r>
           </a:p>
         </p:txBody>
